--- a/final-project/5/CancerRelapse_Sombeet_DS_SF_25.pptx
+++ b/final-project/5/CancerRelapse_Sombeet_DS_SF_25.pptx
@@ -7545,7 +7545,7 @@
           <a:p>
             <a:r>
               <a:rPr lang="en-US" dirty="0" smtClean="0"/>
-              <a:t>Correlation between features. Hmm we know genes are connected in a network. </a:t>
+              <a:t>Correlation between features. </a:t>
             </a:r>
             <a:endParaRPr lang="en-US" dirty="0"/>
           </a:p>
@@ -7761,30 +7761,30 @@
           <a:chExt cx="0" cy="0"/>
         </a:xfrm>
       </p:grpSpPr>
-      <p:pic>
-        <p:nvPicPr>
-          <p:cNvPr id="5" name="Picture 4"/>
-          <p:cNvPicPr>
-            <a:picLocks noChangeAspect="1"/>
-          </p:cNvPicPr>
-          <p:nvPr/>
-        </p:nvPicPr>
-        <p:blipFill>
-          <a:blip r:embed="rId2"/>
-          <a:stretch>
-            <a:fillRect/>
-          </a:stretch>
-        </p:blipFill>
-        <p:spPr>
-          <a:xfrm>
-            <a:off x="4118608" y="1474237"/>
-            <a:ext cx="4343739" cy="3938814"/>
-          </a:xfrm>
-          <a:prstGeom prst="rect">
-            <a:avLst/>
-          </a:prstGeom>
-        </p:spPr>
-      </p:pic>
+      <p:sp>
+        <p:nvSpPr>
+          <p:cNvPr id="6" name="Text Placeholder 5"/>
+          <p:cNvSpPr>
+            <a:spLocks noGrp="1"/>
+          </p:cNvSpPr>
+          <p:nvPr>
+            <p:ph type="body" idx="1"/>
+          </p:nvPr>
+        </p:nvSpPr>
+        <p:spPr/>
+        <p:txBody>
+          <a:bodyPr/>
+          <a:lstStyle/>
+          <a:p>
+            <a:pPr algn="ctr"/>
+            <a:r>
+              <a:rPr lang="en-US" dirty="0" err="1" smtClean="0"/>
+              <a:t>THanks</a:t>
+            </a:r>
+            <a:endParaRPr lang="en-US" dirty="0"/>
+          </a:p>
+        </p:txBody>
+      </p:sp>
     </p:spTree>
     <p:extLst>
       <p:ext uri="{BB962C8B-B14F-4D97-AF65-F5344CB8AC3E}">
